--- a/Tournaments/2023_02_FukuokaNode/PresentationSheet/PresentationSeet.pptx
+++ b/Tournaments/2023_02_FukuokaNode/PresentationSheet/PresentationSeet.pptx
@@ -197,7 +197,7 @@
           <a:p>
             <a:fld id="{112A8008-FDA3-410E-9738-B862D3BEBCE1}" type="datetimeFigureOut">
               <a:rPr kumimoji="1" lang="ja-JP" altLang="en-US" smtClean="0"/>
-              <a:t>2022/12/9</a:t>
+              <a:t>2023/4/12</a:t>
             </a:fld>
             <a:endParaRPr kumimoji="1" lang="ja-JP" altLang="en-US"/>
           </a:p>
@@ -716,7 +716,7 @@
           <a:p>
             <a:fld id="{7A01C935-5042-4AD5-A86E-5E275E957866}" type="datetimeFigureOut">
               <a:rPr kumimoji="1" lang="ja-JP" altLang="en-US" smtClean="0"/>
-              <a:t>2022/12/9</a:t>
+              <a:t>2023/4/12</a:t>
             </a:fld>
             <a:endParaRPr kumimoji="1" lang="ja-JP" altLang="en-US"/>
           </a:p>
@@ -918,7 +918,7 @@
           <a:p>
             <a:fld id="{7A01C935-5042-4AD5-A86E-5E275E957866}" type="datetimeFigureOut">
               <a:rPr kumimoji="1" lang="ja-JP" altLang="en-US" smtClean="0"/>
-              <a:t>2022/12/9</a:t>
+              <a:t>2023/4/12</a:t>
             </a:fld>
             <a:endParaRPr kumimoji="1" lang="ja-JP" altLang="en-US"/>
           </a:p>
@@ -1130,7 +1130,7 @@
           <a:p>
             <a:fld id="{7A01C935-5042-4AD5-A86E-5E275E957866}" type="datetimeFigureOut">
               <a:rPr kumimoji="1" lang="ja-JP" altLang="en-US" smtClean="0"/>
-              <a:t>2022/12/9</a:t>
+              <a:t>2023/4/12</a:t>
             </a:fld>
             <a:endParaRPr kumimoji="1" lang="ja-JP" altLang="en-US"/>
           </a:p>
@@ -1332,7 +1332,7 @@
           <a:p>
             <a:fld id="{7A01C935-5042-4AD5-A86E-5E275E957866}" type="datetimeFigureOut">
               <a:rPr kumimoji="1" lang="ja-JP" altLang="en-US" smtClean="0"/>
-              <a:t>2022/12/9</a:t>
+              <a:t>2023/4/12</a:t>
             </a:fld>
             <a:endParaRPr kumimoji="1" lang="ja-JP" altLang="en-US"/>
           </a:p>
@@ -1576,7 +1576,7 @@
           <a:p>
             <a:fld id="{7A01C935-5042-4AD5-A86E-5E275E957866}" type="datetimeFigureOut">
               <a:rPr kumimoji="1" lang="ja-JP" altLang="en-US" smtClean="0"/>
-              <a:t>2022/12/9</a:t>
+              <a:t>2023/4/12</a:t>
             </a:fld>
             <a:endParaRPr kumimoji="1" lang="ja-JP" altLang="en-US"/>
           </a:p>
@@ -1872,7 +1872,7 @@
           <a:p>
             <a:fld id="{7A01C935-5042-4AD5-A86E-5E275E957866}" type="datetimeFigureOut">
               <a:rPr kumimoji="1" lang="ja-JP" altLang="en-US" smtClean="0"/>
-              <a:t>2022/12/9</a:t>
+              <a:t>2023/4/12</a:t>
             </a:fld>
             <a:endParaRPr kumimoji="1" lang="ja-JP" altLang="en-US"/>
           </a:p>
@@ -2303,7 +2303,7 @@
           <a:p>
             <a:fld id="{7A01C935-5042-4AD5-A86E-5E275E957866}" type="datetimeFigureOut">
               <a:rPr kumimoji="1" lang="ja-JP" altLang="en-US" smtClean="0"/>
-              <a:t>2022/12/9</a:t>
+              <a:t>2023/4/12</a:t>
             </a:fld>
             <a:endParaRPr kumimoji="1" lang="ja-JP" altLang="en-US"/>
           </a:p>
@@ -2421,7 +2421,7 @@
           <a:p>
             <a:fld id="{7A01C935-5042-4AD5-A86E-5E275E957866}" type="datetimeFigureOut">
               <a:rPr kumimoji="1" lang="ja-JP" altLang="en-US" smtClean="0"/>
-              <a:t>2022/12/9</a:t>
+              <a:t>2023/4/12</a:t>
             </a:fld>
             <a:endParaRPr kumimoji="1" lang="ja-JP" altLang="en-US"/>
           </a:p>
@@ -2516,7 +2516,7 @@
           <a:p>
             <a:fld id="{7A01C935-5042-4AD5-A86E-5E275E957866}" type="datetimeFigureOut">
               <a:rPr kumimoji="1" lang="ja-JP" altLang="en-US" smtClean="0"/>
-              <a:t>2022/12/9</a:t>
+              <a:t>2023/4/12</a:t>
             </a:fld>
             <a:endParaRPr kumimoji="1" lang="ja-JP" altLang="en-US"/>
           </a:p>
@@ -2825,7 +2825,7 @@
           <a:p>
             <a:fld id="{7A01C935-5042-4AD5-A86E-5E275E957866}" type="datetimeFigureOut">
               <a:rPr kumimoji="1" lang="ja-JP" altLang="en-US" smtClean="0"/>
-              <a:t>2022/12/9</a:t>
+              <a:t>2023/4/12</a:t>
             </a:fld>
             <a:endParaRPr kumimoji="1" lang="ja-JP" altLang="en-US"/>
           </a:p>
@@ -3082,7 +3082,7 @@
           <a:p>
             <a:fld id="{7A01C935-5042-4AD5-A86E-5E275E957866}" type="datetimeFigureOut">
               <a:rPr kumimoji="1" lang="ja-JP" altLang="en-US" smtClean="0"/>
-              <a:t>2022/12/9</a:t>
+              <a:t>2023/4/12</a:t>
             </a:fld>
             <a:endParaRPr kumimoji="1" lang="ja-JP" altLang="en-US"/>
           </a:p>
@@ -3327,7 +3327,7 @@
           <a:p>
             <a:fld id="{7A01C935-5042-4AD5-A86E-5E275E957866}" type="datetimeFigureOut">
               <a:rPr kumimoji="1" lang="ja-JP" altLang="en-US" smtClean="0"/>
-              <a:t>2022/12/9</a:t>
+              <a:t>2023/4/12</a:t>
             </a:fld>
             <a:endParaRPr kumimoji="1" lang="ja-JP" altLang="en-US"/>
           </a:p>
@@ -4160,101 +4160,6 @@
       </p:sp>
       <p:sp>
         <p:nvSpPr>
-          <p:cNvPr id="92" name="テキスト ボックス 91"/>
-          <p:cNvSpPr txBox="1"/>
-          <p:nvPr/>
-        </p:nvSpPr>
-        <p:spPr>
-          <a:xfrm>
-            <a:off x="3778717" y="309962"/>
-            <a:ext cx="4606955" cy="297902"/>
-          </a:xfrm>
-          <a:prstGeom prst="rect">
-            <a:avLst/>
-          </a:prstGeom>
-          <a:noFill/>
-        </p:spPr>
-        <p:txBody>
-          <a:bodyPr wrap="square" rtlCol="0">
-            <a:spAutoFit/>
-          </a:bodyPr>
-          <a:lstStyle/>
-          <a:p>
-            <a:r>
-              <a:rPr lang="ja-JP" altLang="en-US" sz="1336" dirty="0">
-                <a:solidFill>
-                  <a:schemeClr val="bg1"/>
-                </a:solidFill>
-                <a:latin typeface="源ノ角ゴシック Code JP R" panose="020B0500000000000000" pitchFamily="34" charset="-128"/>
-                <a:ea typeface="源ノ角ゴシック Code JP R" panose="020B0500000000000000" pitchFamily="34" charset="-128"/>
-              </a:rPr>
-              <a:t>熊抱 崚太 </a:t>
-            </a:r>
-            <a:r>
-              <a:rPr lang="en-US" altLang="ja-JP" sz="1336" dirty="0">
-                <a:solidFill>
-                  <a:schemeClr val="bg1"/>
-                </a:solidFill>
-                <a:latin typeface="源ノ角ゴシック Code JP R" panose="020B0500000000000000" pitchFamily="34" charset="-128"/>
-                <a:ea typeface="源ノ角ゴシック Code JP R" panose="020B0500000000000000" pitchFamily="34" charset="-128"/>
-              </a:rPr>
-              <a:t>/ </a:t>
-            </a:r>
-            <a:r>
-              <a:rPr lang="ja-JP" altLang="en-US" sz="1336" dirty="0">
-                <a:solidFill>
-                  <a:schemeClr val="bg1"/>
-                </a:solidFill>
-                <a:latin typeface="源ノ角ゴシック Code JP R" panose="020B0500000000000000" pitchFamily="34" charset="-128"/>
-                <a:ea typeface="源ノ角ゴシック Code JP R" panose="020B0500000000000000" pitchFamily="34" charset="-128"/>
-              </a:rPr>
-              <a:t>石原 廉太郎 </a:t>
-            </a:r>
-            <a:r>
-              <a:rPr lang="en-US" altLang="ja-JP" sz="1336" dirty="0">
-                <a:solidFill>
-                  <a:schemeClr val="bg1"/>
-                </a:solidFill>
-                <a:latin typeface="源ノ角ゴシック Code JP R" panose="020B0500000000000000" pitchFamily="34" charset="-128"/>
-                <a:ea typeface="源ノ角ゴシック Code JP R" panose="020B0500000000000000" pitchFamily="34" charset="-128"/>
-              </a:rPr>
-              <a:t>/</a:t>
-            </a:r>
-            <a:r>
-              <a:rPr lang="ja-JP" altLang="en-US" sz="1336" dirty="0">
-                <a:solidFill>
-                  <a:schemeClr val="bg1"/>
-                </a:solidFill>
-                <a:latin typeface="源ノ角ゴシック Code JP R" panose="020B0500000000000000" pitchFamily="34" charset="-128"/>
-                <a:ea typeface="源ノ角ゴシック Code JP R" panose="020B0500000000000000" pitchFamily="34" charset="-128"/>
-              </a:rPr>
-              <a:t> 松田 魁琉 </a:t>
-            </a:r>
-            <a:r>
-              <a:rPr lang="en-US" altLang="ja-JP" sz="1336" dirty="0">
-                <a:solidFill>
-                  <a:schemeClr val="bg1"/>
-                </a:solidFill>
-                <a:latin typeface="源ノ角ゴシック Code JP R" panose="020B0500000000000000" pitchFamily="34" charset="-128"/>
-                <a:ea typeface="源ノ角ゴシック Code JP R" panose="020B0500000000000000" pitchFamily="34" charset="-128"/>
-              </a:rPr>
-              <a:t>/</a:t>
-            </a:r>
-            <a:r>
-              <a:rPr lang="ja-JP" altLang="en-US" sz="1336" dirty="0">
-                <a:solidFill>
-                  <a:schemeClr val="bg1"/>
-                </a:solidFill>
-                <a:latin typeface="源ノ角ゴシック Code JP R" panose="020B0500000000000000" pitchFamily="34" charset="-128"/>
-                <a:ea typeface="源ノ角ゴシック Code JP R" panose="020B0500000000000000" pitchFamily="34" charset="-128"/>
-              </a:rPr>
-              <a:t> 目野 優輝 </a:t>
-            </a:r>
-          </a:p>
-        </p:txBody>
-      </p:sp>
-      <p:sp>
-        <p:nvSpPr>
           <p:cNvPr id="98" name="角丸四角形 97"/>
           <p:cNvSpPr/>
           <p:nvPr/>
@@ -9924,7 +9829,7 @@
           <p:cNvPr id="24" name="図 23">
             <a:extLst>
               <a:ext uri="{FF2B5EF4-FFF2-40B4-BE49-F238E27FC236}">
-                <a16:creationId xmlns:a16="http://schemas.microsoft.com/office/drawing/2014/main" id="{38164A6C-0691-9201-B00C-47BB12CE7D1E}"/>
+                <a16:creationId xmlns:a16="http://schemas.microsoft.com/office/drawing/2014/main" xmlns="" id="{38164A6C-0691-9201-B00C-47BB12CE7D1E}"/>
               </a:ext>
             </a:extLst>
           </p:cNvPr>
@@ -9964,7 +9869,7 @@
           <p:cNvPr id="40" name="図 39">
             <a:extLst>
               <a:ext uri="{FF2B5EF4-FFF2-40B4-BE49-F238E27FC236}">
-                <a16:creationId xmlns:a16="http://schemas.microsoft.com/office/drawing/2014/main" id="{81467D52-0506-0C1C-0284-1E442AD8755D}"/>
+                <a16:creationId xmlns:a16="http://schemas.microsoft.com/office/drawing/2014/main" xmlns="" id="{81467D52-0506-0C1C-0284-1E442AD8755D}"/>
               </a:ext>
             </a:extLst>
           </p:cNvPr>
@@ -9999,7 +9904,7 @@
           <p:cNvPr id="45" name="図 44">
             <a:extLst>
               <a:ext uri="{FF2B5EF4-FFF2-40B4-BE49-F238E27FC236}">
-                <a16:creationId xmlns:a16="http://schemas.microsoft.com/office/drawing/2014/main" id="{82BBACEA-A094-E4E9-791B-DD1C311E9C41}"/>
+                <a16:creationId xmlns:a16="http://schemas.microsoft.com/office/drawing/2014/main" xmlns="" id="{82BBACEA-A094-E4E9-791B-DD1C311E9C41}"/>
               </a:ext>
             </a:extLst>
           </p:cNvPr>
@@ -10035,7 +9940,7 @@
           <p:cNvPr id="48" name="図 47">
             <a:extLst>
               <a:ext uri="{FF2B5EF4-FFF2-40B4-BE49-F238E27FC236}">
-                <a16:creationId xmlns:a16="http://schemas.microsoft.com/office/drawing/2014/main" id="{857B7C14-6842-D79E-276B-D2271C79BD4B}"/>
+                <a16:creationId xmlns:a16="http://schemas.microsoft.com/office/drawing/2014/main" xmlns="" id="{857B7C14-6842-D79E-276B-D2271C79BD4B}"/>
               </a:ext>
             </a:extLst>
           </p:cNvPr>
@@ -11555,7 +11460,7 @@
           <p:cNvPr id="1026" name="Picture 2">
             <a:extLst>
               <a:ext uri="{FF2B5EF4-FFF2-40B4-BE49-F238E27FC236}">
-                <a16:creationId xmlns:a16="http://schemas.microsoft.com/office/drawing/2014/main" id="{BD8B739C-2AFA-2A14-69E8-3D6FDD064B16}"/>
+                <a16:creationId xmlns:a16="http://schemas.microsoft.com/office/drawing/2014/main" xmlns="" id="{BD8B739C-2AFA-2A14-69E8-3D6FDD064B16}"/>
               </a:ext>
             </a:extLst>
           </p:cNvPr>
@@ -11602,7 +11507,7 @@
           <p:cNvPr id="2" name="テキスト ボックス 1">
             <a:extLst>
               <a:ext uri="{FF2B5EF4-FFF2-40B4-BE49-F238E27FC236}">
-                <a16:creationId xmlns:a16="http://schemas.microsoft.com/office/drawing/2014/main" id="{56E00F35-4903-1D06-8877-44B221B41EC0}"/>
+                <a16:creationId xmlns:a16="http://schemas.microsoft.com/office/drawing/2014/main" xmlns="" id="{56E00F35-4903-1D06-8877-44B221B41EC0}"/>
               </a:ext>
             </a:extLst>
           </p:cNvPr>
@@ -11648,7 +11553,7 @@
           <p:cNvPr id="17" name="図 16">
             <a:extLst>
               <a:ext uri="{FF2B5EF4-FFF2-40B4-BE49-F238E27FC236}">
-                <a16:creationId xmlns:a16="http://schemas.microsoft.com/office/drawing/2014/main" id="{5971CCE9-FBE7-C404-2E76-F9D4E3C848E4}"/>
+                <a16:creationId xmlns:a16="http://schemas.microsoft.com/office/drawing/2014/main" xmlns="" id="{5971CCE9-FBE7-C404-2E76-F9D4E3C848E4}"/>
               </a:ext>
             </a:extLst>
           </p:cNvPr>
@@ -11678,7 +11583,7 @@
           <p:cNvPr id="1040" name="Picture 16" descr="TJ3BLoader付 PICマイコン | ロボット,その他 | 株式会社ダイセン電子工業">
             <a:extLst>
               <a:ext uri="{FF2B5EF4-FFF2-40B4-BE49-F238E27FC236}">
-                <a16:creationId xmlns:a16="http://schemas.microsoft.com/office/drawing/2014/main" id="{E2F21258-6AD5-24B6-5B4A-5200BB4AE244}"/>
+                <a16:creationId xmlns:a16="http://schemas.microsoft.com/office/drawing/2014/main" xmlns="" id="{E2F21258-6AD5-24B6-5B4A-5200BB4AE244}"/>
               </a:ext>
             </a:extLst>
           </p:cNvPr>
@@ -11723,7 +11628,7 @@
           <p:cNvPr id="1042" name="Picture 18" descr="Seeeduino Xiaoをはじめよう - Seeedウィキ（日本語版）">
             <a:extLst>
               <a:ext uri="{FF2B5EF4-FFF2-40B4-BE49-F238E27FC236}">
-                <a16:creationId xmlns:a16="http://schemas.microsoft.com/office/drawing/2014/main" id="{946C01D8-7D2B-670E-0144-4989DD2701D1}"/>
+                <a16:creationId xmlns:a16="http://schemas.microsoft.com/office/drawing/2014/main" xmlns="" id="{946C01D8-7D2B-670E-0144-4989DD2701D1}"/>
               </a:ext>
             </a:extLst>
           </p:cNvPr>
@@ -11770,7 +11675,7 @@
           <p:cNvPr id="23" name="図 22">
             <a:extLst>
               <a:ext uri="{FF2B5EF4-FFF2-40B4-BE49-F238E27FC236}">
-                <a16:creationId xmlns:a16="http://schemas.microsoft.com/office/drawing/2014/main" id="{1E015B7F-09D6-D291-2F17-0AB91A1AD2E3}"/>
+                <a16:creationId xmlns:a16="http://schemas.microsoft.com/office/drawing/2014/main" xmlns="" id="{1E015B7F-09D6-D291-2F17-0AB91A1AD2E3}"/>
               </a:ext>
             </a:extLst>
           </p:cNvPr>
@@ -11806,7 +11711,7 @@
           <p:cNvPr id="1046" name="Picture 22" descr="ソース画像を表示">
             <a:extLst>
               <a:ext uri="{FF2B5EF4-FFF2-40B4-BE49-F238E27FC236}">
-                <a16:creationId xmlns:a16="http://schemas.microsoft.com/office/drawing/2014/main" id="{DBDD4DE5-B06C-03E2-8BAE-15FCB213AF83}"/>
+                <a16:creationId xmlns:a16="http://schemas.microsoft.com/office/drawing/2014/main" xmlns="" id="{DBDD4DE5-B06C-03E2-8BAE-15FCB213AF83}"/>
               </a:ext>
             </a:extLst>
           </p:cNvPr>
@@ -11853,7 +11758,7 @@
           <p:cNvPr id="1048" name="Picture 24" descr="ソース画像を表示">
             <a:extLst>
               <a:ext uri="{FF2B5EF4-FFF2-40B4-BE49-F238E27FC236}">
-                <a16:creationId xmlns:a16="http://schemas.microsoft.com/office/drawing/2014/main" id="{D397F6E8-C311-F062-C82E-1F071FC6972D}"/>
+                <a16:creationId xmlns:a16="http://schemas.microsoft.com/office/drawing/2014/main" xmlns="" id="{D397F6E8-C311-F062-C82E-1F071FC6972D}"/>
               </a:ext>
             </a:extLst>
           </p:cNvPr>
@@ -11900,7 +11805,7 @@
           <p:cNvPr id="31" name="コネクタ: カギ線 30">
             <a:extLst>
               <a:ext uri="{FF2B5EF4-FFF2-40B4-BE49-F238E27FC236}">
-                <a16:creationId xmlns:a16="http://schemas.microsoft.com/office/drawing/2014/main" id="{EF98590F-4572-A603-3081-F636D10A7F20}"/>
+                <a16:creationId xmlns:a16="http://schemas.microsoft.com/office/drawing/2014/main" xmlns="" id="{EF98590F-4572-A603-3081-F636D10A7F20}"/>
               </a:ext>
             </a:extLst>
           </p:cNvPr>
@@ -11942,7 +11847,7 @@
           <p:cNvPr id="35" name="コネクタ: カギ線 34">
             <a:extLst>
               <a:ext uri="{FF2B5EF4-FFF2-40B4-BE49-F238E27FC236}">
-                <a16:creationId xmlns:a16="http://schemas.microsoft.com/office/drawing/2014/main" id="{0D4A8CD5-638C-1889-3136-A8286BEDF4BA}"/>
+                <a16:creationId xmlns:a16="http://schemas.microsoft.com/office/drawing/2014/main" xmlns="" id="{0D4A8CD5-638C-1889-3136-A8286BEDF4BA}"/>
               </a:ext>
             </a:extLst>
           </p:cNvPr>
@@ -11984,7 +11889,7 @@
           <p:cNvPr id="54" name="コネクタ: カギ線 53">
             <a:extLst>
               <a:ext uri="{FF2B5EF4-FFF2-40B4-BE49-F238E27FC236}">
-                <a16:creationId xmlns:a16="http://schemas.microsoft.com/office/drawing/2014/main" id="{80F301E5-7546-1108-8172-F6FD1DC41AD0}"/>
+                <a16:creationId xmlns:a16="http://schemas.microsoft.com/office/drawing/2014/main" xmlns="" id="{80F301E5-7546-1108-8172-F6FD1DC41AD0}"/>
               </a:ext>
             </a:extLst>
           </p:cNvPr>
@@ -12025,7 +11930,7 @@
           <p:cNvPr id="104" name="コネクタ: カギ線 103">
             <a:extLst>
               <a:ext uri="{FF2B5EF4-FFF2-40B4-BE49-F238E27FC236}">
-                <a16:creationId xmlns:a16="http://schemas.microsoft.com/office/drawing/2014/main" id="{6F753177-20C3-ECC9-6AAA-00B95B9E9959}"/>
+                <a16:creationId xmlns:a16="http://schemas.microsoft.com/office/drawing/2014/main" xmlns="" id="{6F753177-20C3-ECC9-6AAA-00B95B9E9959}"/>
               </a:ext>
             </a:extLst>
           </p:cNvPr>
